--- a/Sys_diagram.pptx
+++ b/Sys_diagram.pptx
@@ -104,7 +104,20 @@
       </a:defRPr>
     </a:lvl9pPr>
   </p:defaultTextStyle>
+  <p:extLst>
+    <p:ext uri="{EFAFB233-063F-42B5-8137-9DF3F51BA10A}">
+      <p15:sldGuideLst xmlns:p15="http://schemas.microsoft.com/office/powerpoint/2012/main"/>
+    </p:ext>
+  </p:extLst>
 </p:presentation>
+</file>
+
+<file path=ppt/revisionInfo.xml><?xml version="1.0" encoding="utf-8"?>
+<p1510:revInfo xmlns:a="http://schemas.openxmlformats.org/drawingml/2006/main" xmlns:r="http://schemas.openxmlformats.org/officeDocument/2006/relationships" xmlns:p1510="http://schemas.microsoft.com/office/powerpoint/2015/10/main">
+  <p1510:revLst>
+    <p1510:client id="{A5816AC0-2387-94B6-DEF8-F625652B2B6D}" v="316" dt="2024-09-27T20:38:15.509"/>
+  </p1510:revLst>
+</p1510:revInfo>
 </file>
 
 <file path=ppt/slideLayouts/slideLayout1.xml><?xml version="1.0" encoding="utf-8"?>
@@ -254,7 +267,7 @@
           <a:p>
             <a:fld id="{7809AB6C-63AD-4A39-91BE-DBC9EF9688CB}" type="datetimeFigureOut">
               <a:rPr lang="en-US" smtClean="0"/>
-              <a:t>9/26/2024</a:t>
+              <a:t>9/27/2024</a:t>
             </a:fld>
             <a:endParaRPr lang="en-US"/>
           </a:p>
@@ -452,7 +465,7 @@
           <a:p>
             <a:fld id="{7809AB6C-63AD-4A39-91BE-DBC9EF9688CB}" type="datetimeFigureOut">
               <a:rPr lang="en-US" smtClean="0"/>
-              <a:t>9/26/2024</a:t>
+              <a:t>9/27/2024</a:t>
             </a:fld>
             <a:endParaRPr lang="en-US"/>
           </a:p>
@@ -660,7 +673,7 @@
           <a:p>
             <a:fld id="{7809AB6C-63AD-4A39-91BE-DBC9EF9688CB}" type="datetimeFigureOut">
               <a:rPr lang="en-US" smtClean="0"/>
-              <a:t>9/26/2024</a:t>
+              <a:t>9/27/2024</a:t>
             </a:fld>
             <a:endParaRPr lang="en-US"/>
           </a:p>
@@ -858,7 +871,7 @@
           <a:p>
             <a:fld id="{7809AB6C-63AD-4A39-91BE-DBC9EF9688CB}" type="datetimeFigureOut">
               <a:rPr lang="en-US" smtClean="0"/>
-              <a:t>9/26/2024</a:t>
+              <a:t>9/27/2024</a:t>
             </a:fld>
             <a:endParaRPr lang="en-US"/>
           </a:p>
@@ -1133,7 +1146,7 @@
           <a:p>
             <a:fld id="{7809AB6C-63AD-4A39-91BE-DBC9EF9688CB}" type="datetimeFigureOut">
               <a:rPr lang="en-US" smtClean="0"/>
-              <a:t>9/26/2024</a:t>
+              <a:t>9/27/2024</a:t>
             </a:fld>
             <a:endParaRPr lang="en-US"/>
           </a:p>
@@ -1398,7 +1411,7 @@
           <a:p>
             <a:fld id="{7809AB6C-63AD-4A39-91BE-DBC9EF9688CB}" type="datetimeFigureOut">
               <a:rPr lang="en-US" smtClean="0"/>
-              <a:t>9/26/2024</a:t>
+              <a:t>9/27/2024</a:t>
             </a:fld>
             <a:endParaRPr lang="en-US"/>
           </a:p>
@@ -1810,7 +1823,7 @@
           <a:p>
             <a:fld id="{7809AB6C-63AD-4A39-91BE-DBC9EF9688CB}" type="datetimeFigureOut">
               <a:rPr lang="en-US" smtClean="0"/>
-              <a:t>9/26/2024</a:t>
+              <a:t>9/27/2024</a:t>
             </a:fld>
             <a:endParaRPr lang="en-US"/>
           </a:p>
@@ -1951,7 +1964,7 @@
           <a:p>
             <a:fld id="{7809AB6C-63AD-4A39-91BE-DBC9EF9688CB}" type="datetimeFigureOut">
               <a:rPr lang="en-US" smtClean="0"/>
-              <a:t>9/26/2024</a:t>
+              <a:t>9/27/2024</a:t>
             </a:fld>
             <a:endParaRPr lang="en-US"/>
           </a:p>
@@ -2064,7 +2077,7 @@
           <a:p>
             <a:fld id="{7809AB6C-63AD-4A39-91BE-DBC9EF9688CB}" type="datetimeFigureOut">
               <a:rPr lang="en-US" smtClean="0"/>
-              <a:t>9/26/2024</a:t>
+              <a:t>9/27/2024</a:t>
             </a:fld>
             <a:endParaRPr lang="en-US"/>
           </a:p>
@@ -2375,7 +2388,7 @@
           <a:p>
             <a:fld id="{7809AB6C-63AD-4A39-91BE-DBC9EF9688CB}" type="datetimeFigureOut">
               <a:rPr lang="en-US" smtClean="0"/>
-              <a:t>9/26/2024</a:t>
+              <a:t>9/27/2024</a:t>
             </a:fld>
             <a:endParaRPr lang="en-US"/>
           </a:p>
@@ -2663,7 +2676,7 @@
           <a:p>
             <a:fld id="{7809AB6C-63AD-4A39-91BE-DBC9EF9688CB}" type="datetimeFigureOut">
               <a:rPr lang="en-US" smtClean="0"/>
-              <a:t>9/26/2024</a:t>
+              <a:t>9/27/2024</a:t>
             </a:fld>
             <a:endParaRPr lang="en-US"/>
           </a:p>
@@ -2904,7 +2917,7 @@
           <a:p>
             <a:fld id="{7809AB6C-63AD-4A39-91BE-DBC9EF9688CB}" type="datetimeFigureOut">
               <a:rPr lang="en-US" smtClean="0"/>
-              <a:t>9/26/2024</a:t>
+              <a:t>9/27/2024</a:t>
             </a:fld>
             <a:endParaRPr lang="en-US"/>
           </a:p>
@@ -3335,7 +3348,7 @@
         </p:nvSpPr>
         <p:spPr>
           <a:xfrm>
-            <a:off x="1585145" y="663726"/>
+            <a:off x="698454" y="663726"/>
             <a:ext cx="2467304" cy="1505607"/>
           </a:xfrm>
           <a:prstGeom prst="rect">
@@ -3399,7 +3412,7 @@
         </p:nvSpPr>
         <p:spPr>
           <a:xfrm>
-            <a:off x="6096000" y="666747"/>
+            <a:off x="6165273" y="749874"/>
             <a:ext cx="2467304" cy="1505607"/>
           </a:xfrm>
           <a:prstGeom prst="rect">
@@ -3463,8 +3476,8 @@
         </p:nvSpPr>
         <p:spPr>
           <a:xfrm>
-            <a:off x="1233654" y="3068202"/>
-            <a:ext cx="6117678" cy="1505607"/>
+            <a:off x="1178237" y="3082056"/>
+            <a:ext cx="6644149" cy="2821788"/>
           </a:xfrm>
           <a:prstGeom prst="rect">
             <a:avLst/>
@@ -3524,7 +3537,7 @@
         </p:nvSpPr>
         <p:spPr>
           <a:xfrm>
-            <a:off x="8366288" y="3040416"/>
+            <a:off x="9557779" y="3040416"/>
             <a:ext cx="2467304" cy="1505607"/>
           </a:xfrm>
           <a:prstGeom prst="rect">
@@ -3596,52 +3609,8 @@
         </p:nvCxnSpPr>
         <p:spPr>
           <a:xfrm>
-            <a:off x="2691847" y="2198326"/>
+            <a:off x="1929847" y="2226035"/>
             <a:ext cx="0" cy="849171"/>
-          </a:xfrm>
-          <a:prstGeom prst="straightConnector1">
-            <a:avLst/>
-          </a:prstGeom>
-          <a:ln w="57150">
-            <a:solidFill>
-              <a:schemeClr val="tx1"/>
-            </a:solidFill>
-            <a:tailEnd type="triangle"/>
-          </a:ln>
-        </p:spPr>
-        <p:style>
-          <a:lnRef idx="2">
-            <a:schemeClr val="accent1"/>
-          </a:lnRef>
-          <a:fillRef idx="0">
-            <a:schemeClr val="accent1"/>
-          </a:fillRef>
-          <a:effectRef idx="1">
-            <a:schemeClr val="accent1"/>
-          </a:effectRef>
-          <a:fontRef idx="minor">
-            <a:schemeClr val="tx1"/>
-          </a:fontRef>
-        </p:style>
-      </p:cxnSp>
-      <p:cxnSp>
-        <p:nvCxnSpPr>
-          <p:cNvPr id="11" name="Straight Arrow Connector 10">
-            <a:extLst>
-              <a:ext uri="{FF2B5EF4-FFF2-40B4-BE49-F238E27FC236}">
-                <a16:creationId xmlns:a16="http://schemas.microsoft.com/office/drawing/2014/main" id="{A04FEC9D-030B-5171-0708-3F4F67FC74C1}"/>
-              </a:ext>
-            </a:extLst>
-          </p:cNvPr>
-          <p:cNvCxnSpPr>
-            <a:cxnSpLocks/>
-          </p:cNvCxnSpPr>
-          <p:nvPr/>
-        </p:nvCxnSpPr>
-        <p:spPr>
-          <a:xfrm flipH="1">
-            <a:off x="6700524" y="2198326"/>
-            <a:ext cx="1158286" cy="842090"/>
           </a:xfrm>
           <a:prstGeom prst="straightConnector1">
             <a:avLst/>
@@ -3726,7 +3695,7 @@
         </p:nvSpPr>
         <p:spPr>
           <a:xfrm>
-            <a:off x="692572" y="2420345"/>
+            <a:off x="-155" y="2309509"/>
             <a:ext cx="1999275" cy="369332"/>
           </a:xfrm>
           <a:prstGeom prst="rect">
@@ -3761,7 +3730,7 @@
         </p:nvSpPr>
         <p:spPr>
           <a:xfrm>
-            <a:off x="572133" y="5486400"/>
+            <a:off x="9688424" y="5569527"/>
             <a:ext cx="383210" cy="328098"/>
           </a:xfrm>
           <a:prstGeom prst="rect">
@@ -3822,7 +3791,7 @@
         </p:nvSpPr>
         <p:spPr>
           <a:xfrm>
-            <a:off x="955343" y="5445166"/>
+            <a:off x="10071634" y="5528293"/>
             <a:ext cx="1863454" cy="369332"/>
           </a:xfrm>
           <a:prstGeom prst="rect">
@@ -3857,17 +3826,14 @@
         </p:nvSpPr>
         <p:spPr>
           <a:xfrm>
-            <a:off x="1577105" y="3082315"/>
-            <a:ext cx="1285198" cy="937417"/>
+            <a:off x="1175323" y="3068461"/>
+            <a:ext cx="1188216" cy="1976507"/>
           </a:xfrm>
           <a:prstGeom prst="rect">
             <a:avLst/>
           </a:prstGeom>
           <a:solidFill>
-            <a:schemeClr val="tx2">
-              <a:lumMod val="10000"/>
-              <a:lumOff val="90000"/>
-            </a:schemeClr>
+            <a:schemeClr val="accent1"/>
           </a:solidFill>
         </p:spPr>
         <p:style>
@@ -3887,14 +3853,14 @@
           </a:fontRef>
         </p:style>
         <p:txBody>
-          <a:bodyPr rtlCol="0" anchor="ctr"/>
+          <a:bodyPr lIns="91440" tIns="45720" rIns="91440" bIns="45720" rtlCol="0" anchor="ctr"/>
           <a:lstStyle/>
           <a:p>
             <a:pPr algn="ctr"/>
             <a:r>
               <a:rPr lang="en-US" dirty="0">
                 <a:solidFill>
-                  <a:schemeClr val="tx1"/>
+                  <a:schemeClr val="bg1"/>
                 </a:solidFill>
               </a:rPr>
               <a:t>Camera Driver</a:t>
@@ -3918,8 +3884,8 @@
         </p:nvCxnSpPr>
         <p:spPr>
           <a:xfrm>
-            <a:off x="3007197" y="3643584"/>
-            <a:ext cx="933561" cy="0"/>
+            <a:off x="2369888" y="4156202"/>
+            <a:ext cx="1432324" cy="13854"/>
           </a:xfrm>
           <a:prstGeom prst="straightConnector1">
             <a:avLst/>
@@ -3961,8 +3927,8 @@
         </p:nvSpPr>
         <p:spPr>
           <a:xfrm>
-            <a:off x="6117620" y="3164570"/>
-            <a:ext cx="1078162" cy="1257301"/>
+            <a:off x="6630238" y="3095299"/>
+            <a:ext cx="1202852" cy="1977735"/>
           </a:xfrm>
           <a:prstGeom prst="rect">
             <a:avLst/>
@@ -4011,9 +3977,9 @@
           <p:nvPr/>
         </p:nvCxnSpPr>
         <p:spPr>
-          <a:xfrm>
-            <a:off x="7391541" y="3429000"/>
-            <a:ext cx="974747" cy="0"/>
+          <a:xfrm flipV="1">
+            <a:off x="7834886" y="3706092"/>
+            <a:ext cx="1736746" cy="13854"/>
           </a:xfrm>
           <a:prstGeom prst="straightConnector1">
             <a:avLst/>
@@ -4056,8 +4022,8 @@
         </p:nvCxnSpPr>
         <p:spPr>
           <a:xfrm flipH="1">
-            <a:off x="7351332" y="3990833"/>
-            <a:ext cx="1014956" cy="0"/>
+            <a:off x="7780823" y="4240214"/>
+            <a:ext cx="1832374" cy="0"/>
           </a:xfrm>
           <a:prstGeom prst="straightConnector1">
             <a:avLst/>
@@ -4098,8 +4064,8 @@
         </p:nvSpPr>
         <p:spPr>
           <a:xfrm>
-            <a:off x="4108710" y="3149720"/>
-            <a:ext cx="1457602" cy="1132759"/>
+            <a:off x="3790056" y="3094301"/>
+            <a:ext cx="2302729" cy="2435086"/>
           </a:xfrm>
           <a:prstGeom prst="rect">
             <a:avLst/>
@@ -4122,23 +4088,55 @@
           </a:fontRef>
         </p:style>
         <p:txBody>
-          <a:bodyPr rtlCol="0" anchor="ctr"/>
+          <a:bodyPr lIns="91440" tIns="45720" rIns="91440" bIns="45720" rtlCol="0" anchor="ctr"/>
           <a:lstStyle/>
           <a:p>
             <a:pPr algn="ctr"/>
+            <a:endParaRPr lang="en-US" dirty="0"/>
+          </a:p>
+        </p:txBody>
+      </p:sp>
+      <p:sp>
+        <p:nvSpPr>
+          <p:cNvPr id="48" name="TextBox 47">
+            <a:extLst>
+              <a:ext uri="{FF2B5EF4-FFF2-40B4-BE49-F238E27FC236}">
+                <a16:creationId xmlns:a16="http://schemas.microsoft.com/office/drawing/2014/main" id="{FB8CD7A8-AC43-86A3-6C55-F7B1EBD7B6BD}"/>
+              </a:ext>
+            </a:extLst>
+          </p:cNvPr>
+          <p:cNvSpPr txBox="1"/>
+          <p:nvPr/>
+        </p:nvSpPr>
+        <p:spPr>
+          <a:xfrm>
+            <a:off x="6685655" y="1326521"/>
+            <a:ext cx="2184764" cy="369332"/>
+          </a:xfrm>
+          <a:prstGeom prst="rect">
+            <a:avLst/>
+          </a:prstGeom>
+          <a:noFill/>
+        </p:spPr>
+        <p:txBody>
+          <a:bodyPr wrap="square" lIns="91440" tIns="45720" rIns="91440" bIns="45720" rtlCol="0" anchor="t">
+            <a:spAutoFit/>
+          </a:bodyPr>
+          <a:lstStyle/>
+          <a:p>
             <a:r>
               <a:rPr lang="en-US" dirty="0"/>
-              <a:t>Unity</a:t>
+              <a:t>VR Headset</a:t>
             </a:r>
           </a:p>
         </p:txBody>
       </p:sp>
       <p:cxnSp>
         <p:nvCxnSpPr>
-          <p:cNvPr id="44" name="Straight Arrow Connector 43">
-            <a:extLst>
-              <a:ext uri="{FF2B5EF4-FFF2-40B4-BE49-F238E27FC236}">
-                <a16:creationId xmlns:a16="http://schemas.microsoft.com/office/drawing/2014/main" id="{F1017A7E-583D-C03A-B9B6-0B7A88F1DF11}"/>
+          <p:cNvPr id="2" name="Straight Arrow Connector 1">
+            <a:extLst>
+              <a:ext uri="{FF2B5EF4-FFF2-40B4-BE49-F238E27FC236}">
+                <a16:creationId xmlns:a16="http://schemas.microsoft.com/office/drawing/2014/main" id="{5AA004E0-FF3C-329E-4DDA-2B934CB50E05}"/>
               </a:ext>
             </a:extLst>
           </p:cNvPr>
@@ -4148,9 +4146,9 @@
           <p:nvPr/>
         </p:nvCxnSpPr>
         <p:spPr>
-          <a:xfrm flipH="1">
-            <a:off x="5471476" y="3756184"/>
-            <a:ext cx="939893" cy="25021"/>
+          <a:xfrm>
+            <a:off x="9560397" y="6234383"/>
+            <a:ext cx="656471" cy="0"/>
           </a:xfrm>
           <a:prstGeom prst="straightConnector1">
             <a:avLst/>
@@ -4178,30 +4176,289 @@
           </a:fontRef>
         </p:style>
       </p:cxnSp>
+      <p:sp>
+        <p:nvSpPr>
+          <p:cNvPr id="3" name="TextBox 2">
+            <a:extLst>
+              <a:ext uri="{FF2B5EF4-FFF2-40B4-BE49-F238E27FC236}">
+                <a16:creationId xmlns:a16="http://schemas.microsoft.com/office/drawing/2014/main" id="{FBA315AD-94D9-D889-8D79-1666158A1F54}"/>
+              </a:ext>
+            </a:extLst>
+          </p:cNvPr>
+          <p:cNvSpPr txBox="1"/>
+          <p:nvPr/>
+        </p:nvSpPr>
+        <p:spPr>
+          <a:xfrm>
+            <a:off x="10210179" y="6040911"/>
+            <a:ext cx="1863454" cy="646331"/>
+          </a:xfrm>
+          <a:prstGeom prst="rect">
+            <a:avLst/>
+          </a:prstGeom>
+          <a:noFill/>
+        </p:spPr>
+        <p:txBody>
+          <a:bodyPr wrap="square" lIns="91440" tIns="45720" rIns="91440" bIns="45720" rtlCol="0" anchor="t">
+            <a:spAutoFit/>
+          </a:bodyPr>
+          <a:lstStyle/>
+          <a:p>
+            <a:r>
+              <a:rPr lang="en-US" dirty="0"/>
+              <a:t>Internal connections</a:t>
+            </a:r>
+          </a:p>
+        </p:txBody>
+      </p:sp>
+      <p:sp>
+        <p:nvSpPr>
+          <p:cNvPr id="9" name="TextBox 8">
+            <a:extLst>
+              <a:ext uri="{FF2B5EF4-FFF2-40B4-BE49-F238E27FC236}">
+                <a16:creationId xmlns:a16="http://schemas.microsoft.com/office/drawing/2014/main" id="{BB68AD56-C3BA-063F-F32C-48C764EB975E}"/>
+              </a:ext>
+            </a:extLst>
+          </p:cNvPr>
+          <p:cNvSpPr txBox="1"/>
+          <p:nvPr/>
+        </p:nvSpPr>
+        <p:spPr>
+          <a:xfrm>
+            <a:off x="4450772" y="3255818"/>
+            <a:ext cx="1246909" cy="369332"/>
+          </a:xfrm>
+          <a:prstGeom prst="rect">
+            <a:avLst/>
+          </a:prstGeom>
+          <a:noFill/>
+        </p:spPr>
+        <p:txBody>
+          <a:bodyPr rot="0" spcFirstLastPara="0" vertOverflow="overflow" horzOverflow="overflow" vert="horz" wrap="square" lIns="91440" tIns="45720" rIns="91440" bIns="45720" numCol="1" spcCol="0" rtlCol="0" fromWordArt="0" anchor="t" anchorCtr="0" forceAA="0" compatLnSpc="1">
+            <a:prstTxWarp prst="textNoShape">
+              <a:avLst/>
+            </a:prstTxWarp>
+            <a:spAutoFit/>
+          </a:bodyPr>
+          <a:lstStyle/>
+          <a:p>
+            <a:pPr algn="ctr"/>
+            <a:r>
+              <a:rPr lang="en-US" dirty="0">
+                <a:solidFill>
+                  <a:schemeClr val="bg1"/>
+                </a:solidFill>
+              </a:rPr>
+              <a:t>Unity</a:t>
+            </a:r>
+          </a:p>
+        </p:txBody>
+      </p:sp>
+      <p:sp>
+        <p:nvSpPr>
+          <p:cNvPr id="13" name="Rectangle 12">
+            <a:extLst>
+              <a:ext uri="{FF2B5EF4-FFF2-40B4-BE49-F238E27FC236}">
+                <a16:creationId xmlns:a16="http://schemas.microsoft.com/office/drawing/2014/main" id="{3B1223A5-FDFD-85A5-82D0-EFCC516237CE}"/>
+              </a:ext>
+            </a:extLst>
+          </p:cNvPr>
+          <p:cNvSpPr/>
+          <p:nvPr/>
+        </p:nvSpPr>
+        <p:spPr>
+          <a:xfrm>
+            <a:off x="4994562" y="3896589"/>
+            <a:ext cx="1025235" cy="592281"/>
+          </a:xfrm>
+          <a:prstGeom prst="rect">
+            <a:avLst/>
+          </a:prstGeom>
+          <a:solidFill>
+            <a:schemeClr val="tx2">
+              <a:lumMod val="10000"/>
+              <a:lumOff val="90000"/>
+            </a:schemeClr>
+          </a:solidFill>
+        </p:spPr>
+        <p:style>
+          <a:lnRef idx="2">
+            <a:schemeClr val="accent1">
+              <a:shade val="15000"/>
+            </a:schemeClr>
+          </a:lnRef>
+          <a:fillRef idx="1">
+            <a:schemeClr val="accent1"/>
+          </a:fillRef>
+          <a:effectRef idx="0">
+            <a:schemeClr val="accent1"/>
+          </a:effectRef>
+          <a:fontRef idx="minor">
+            <a:schemeClr val="lt1"/>
+          </a:fontRef>
+        </p:style>
+        <p:txBody>
+          <a:bodyPr rtlCol="0" anchor="ctr"/>
+          <a:lstStyle/>
+          <a:p>
+            <a:pPr algn="ctr"/>
+            <a:r>
+              <a:rPr lang="en-US" dirty="0">
+                <a:solidFill>
+                  <a:schemeClr val="tx1"/>
+                </a:solidFill>
+              </a:rPr>
+              <a:t>VR Toolkit</a:t>
+            </a:r>
+          </a:p>
+        </p:txBody>
+      </p:sp>
+      <p:sp>
+        <p:nvSpPr>
+          <p:cNvPr id="14" name="Rectangle 13">
+            <a:extLst>
+              <a:ext uri="{FF2B5EF4-FFF2-40B4-BE49-F238E27FC236}">
+                <a16:creationId xmlns:a16="http://schemas.microsoft.com/office/drawing/2014/main" id="{FC91841E-C952-0B06-701F-B7B531DC21FC}"/>
+              </a:ext>
+            </a:extLst>
+          </p:cNvPr>
+          <p:cNvSpPr/>
+          <p:nvPr/>
+        </p:nvSpPr>
+        <p:spPr>
+          <a:xfrm>
+            <a:off x="3844635" y="3896590"/>
+            <a:ext cx="1025235" cy="592281"/>
+          </a:xfrm>
+          <a:prstGeom prst="rect">
+            <a:avLst/>
+          </a:prstGeom>
+          <a:solidFill>
+            <a:schemeClr val="tx2">
+              <a:lumMod val="10000"/>
+              <a:lumOff val="90000"/>
+            </a:schemeClr>
+          </a:solidFill>
+        </p:spPr>
+        <p:style>
+          <a:lnRef idx="2">
+            <a:schemeClr val="accent1">
+              <a:shade val="15000"/>
+            </a:schemeClr>
+          </a:lnRef>
+          <a:fillRef idx="1">
+            <a:schemeClr val="accent1"/>
+          </a:fillRef>
+          <a:effectRef idx="0">
+            <a:schemeClr val="accent1"/>
+          </a:effectRef>
+          <a:fontRef idx="minor">
+            <a:schemeClr val="lt1"/>
+          </a:fontRef>
+        </p:style>
+        <p:txBody>
+          <a:bodyPr lIns="91440" tIns="45720" rIns="91440" bIns="45720" rtlCol="0" anchor="ctr"/>
+          <a:lstStyle/>
+          <a:p>
+            <a:pPr algn="ctr"/>
+            <a:r>
+              <a:rPr lang="en-US" dirty="0">
+                <a:solidFill>
+                  <a:schemeClr val="tx1"/>
+                </a:solidFill>
+              </a:rPr>
+              <a:t>Skybox Shaders</a:t>
+            </a:r>
+          </a:p>
+        </p:txBody>
+      </p:sp>
+      <p:sp>
+        <p:nvSpPr>
+          <p:cNvPr id="15" name="Rectangle 14">
+            <a:extLst>
+              <a:ext uri="{FF2B5EF4-FFF2-40B4-BE49-F238E27FC236}">
+                <a16:creationId xmlns:a16="http://schemas.microsoft.com/office/drawing/2014/main" id="{3659308F-7B7F-1C14-78AC-9B5FF916261F}"/>
+              </a:ext>
+            </a:extLst>
+          </p:cNvPr>
+          <p:cNvSpPr/>
+          <p:nvPr/>
+        </p:nvSpPr>
+        <p:spPr>
+          <a:xfrm>
+            <a:off x="4357253" y="4755571"/>
+            <a:ext cx="1025235" cy="592281"/>
+          </a:xfrm>
+          <a:prstGeom prst="rect">
+            <a:avLst/>
+          </a:prstGeom>
+          <a:solidFill>
+            <a:schemeClr val="tx2">
+              <a:lumMod val="10000"/>
+              <a:lumOff val="90000"/>
+            </a:schemeClr>
+          </a:solidFill>
+        </p:spPr>
+        <p:style>
+          <a:lnRef idx="2">
+            <a:schemeClr val="accent1">
+              <a:shade val="15000"/>
+            </a:schemeClr>
+          </a:lnRef>
+          <a:fillRef idx="1">
+            <a:schemeClr val="accent1"/>
+          </a:fillRef>
+          <a:effectRef idx="0">
+            <a:schemeClr val="accent1"/>
+          </a:effectRef>
+          <a:fontRef idx="minor">
+            <a:schemeClr val="lt1"/>
+          </a:fontRef>
+        </p:style>
+        <p:txBody>
+          <a:bodyPr lIns="91440" tIns="45720" rIns="91440" bIns="45720" rtlCol="0" anchor="ctr"/>
+          <a:lstStyle/>
+          <a:p>
+            <a:pPr algn="ctr"/>
+            <a:r>
+              <a:rPr lang="en-US" dirty="0">
+                <a:solidFill>
+                  <a:schemeClr val="tx1"/>
+                </a:solidFill>
+              </a:rPr>
+              <a:t>Virtual objects</a:t>
+            </a:r>
+          </a:p>
+        </p:txBody>
+      </p:sp>
       <p:cxnSp>
         <p:nvCxnSpPr>
-          <p:cNvPr id="47" name="Straight Connector 46">
-            <a:extLst>
-              <a:ext uri="{FF2B5EF4-FFF2-40B4-BE49-F238E27FC236}">
-                <a16:creationId xmlns:a16="http://schemas.microsoft.com/office/drawing/2014/main" id="{02E2FEF8-0CE6-395C-3F16-6B2EFAB28410}"/>
-              </a:ext>
-            </a:extLst>
-          </p:cNvPr>
-          <p:cNvCxnSpPr/>
+          <p:cNvPr id="16" name="Straight Arrow Connector 15">
+            <a:extLst>
+              <a:ext uri="{FF2B5EF4-FFF2-40B4-BE49-F238E27FC236}">
+                <a16:creationId xmlns:a16="http://schemas.microsoft.com/office/drawing/2014/main" id="{04E3BC84-66C8-0E62-F69B-1CF73433BA90}"/>
+              </a:ext>
+            </a:extLst>
+          </p:cNvPr>
+          <p:cNvCxnSpPr>
+            <a:cxnSpLocks/>
+          </p:cNvCxnSpPr>
           <p:nvPr/>
         </p:nvCxnSpPr>
         <p:spPr>
-          <a:xfrm>
-            <a:off x="7329652" y="561256"/>
-            <a:ext cx="0" cy="1637070"/>
-          </a:xfrm>
-          <a:prstGeom prst="line">
+          <a:xfrm flipH="1">
+            <a:off x="5381630" y="4225474"/>
+            <a:ext cx="1255456" cy="817417"/>
+          </a:xfrm>
+          <a:prstGeom prst="straightConnector1">
             <a:avLst/>
           </a:prstGeom>
-          <a:ln w="76200">
+          <a:ln w="57150">
             <a:solidFill>
-              <a:schemeClr val="tx1"/>
+              <a:srgbClr val="FF0000"/>
             </a:solidFill>
+            <a:prstDash val="sysDot"/>
+            <a:tailEnd type="triangle"/>
           </a:ln>
         </p:spPr>
         <p:style>
@@ -4221,10 +4478,10 @@
       </p:cxnSp>
       <p:sp>
         <p:nvSpPr>
-          <p:cNvPr id="48" name="TextBox 47">
-            <a:extLst>
-              <a:ext uri="{FF2B5EF4-FFF2-40B4-BE49-F238E27FC236}">
-                <a16:creationId xmlns:a16="http://schemas.microsoft.com/office/drawing/2014/main" id="{FB8CD7A8-AC43-86A3-6C55-F7B1EBD7B6BD}"/>
+          <p:cNvPr id="17" name="TextBox 16">
+            <a:extLst>
+              <a:ext uri="{FF2B5EF4-FFF2-40B4-BE49-F238E27FC236}">
+                <a16:creationId xmlns:a16="http://schemas.microsoft.com/office/drawing/2014/main" id="{789D2D5E-B3A6-33B8-C335-85C6562E4C0D}"/>
               </a:ext>
             </a:extLst>
           </p:cNvPr>
@@ -4232,9 +4489,9 @@
           <p:nvPr/>
         </p:nvSpPr>
         <p:spPr>
-          <a:xfrm>
-            <a:off x="6117620" y="1146412"/>
-            <a:ext cx="965564" cy="923330"/>
+          <a:xfrm rot="19020000">
+            <a:off x="4174961" y="1647057"/>
+            <a:ext cx="1902294" cy="923330"/>
           </a:xfrm>
           <a:prstGeom prst="rect">
             <a:avLst/>
@@ -4242,24 +4499,24 @@
           <a:noFill/>
         </p:spPr>
         <p:txBody>
-          <a:bodyPr wrap="square" rtlCol="0">
+          <a:bodyPr wrap="square" lIns="91440" tIns="45720" rIns="91440" bIns="45720" rtlCol="0" anchor="t">
             <a:spAutoFit/>
           </a:bodyPr>
           <a:lstStyle/>
           <a:p>
             <a:r>
               <a:rPr lang="en-US" dirty="0"/>
-              <a:t>VR Headset output</a:t>
-            </a:r>
-          </a:p>
-        </p:txBody>
-      </p:sp>
-      <p:sp>
-        <p:nvSpPr>
-          <p:cNvPr id="49" name="TextBox 48">
-            <a:extLst>
-              <a:ext uri="{FF2B5EF4-FFF2-40B4-BE49-F238E27FC236}">
-                <a16:creationId xmlns:a16="http://schemas.microsoft.com/office/drawing/2014/main" id="{49792F84-94DC-F32A-9421-3AEA52CFAEC2}"/>
+              <a:t>Virtual objects &amp; camera environment</a:t>
+            </a:r>
+          </a:p>
+        </p:txBody>
+      </p:sp>
+      <p:sp>
+        <p:nvSpPr>
+          <p:cNvPr id="19" name="TextBox 18">
+            <a:extLst>
+              <a:ext uri="{FF2B5EF4-FFF2-40B4-BE49-F238E27FC236}">
+                <a16:creationId xmlns:a16="http://schemas.microsoft.com/office/drawing/2014/main" id="{5112DF09-713E-06EA-0275-9BB3EE75E5D2}"/>
               </a:ext>
             </a:extLst>
           </p:cNvPr>
@@ -4268,8 +4525,8 @@
         </p:nvSpPr>
         <p:spPr>
           <a:xfrm>
-            <a:off x="7597740" y="1078847"/>
-            <a:ext cx="965564" cy="923330"/>
+            <a:off x="7896935" y="4290707"/>
+            <a:ext cx="1819166" cy="646331"/>
           </a:xfrm>
           <a:prstGeom prst="rect">
             <a:avLst/>
@@ -4277,18 +4534,97 @@
           <a:noFill/>
         </p:spPr>
         <p:txBody>
-          <a:bodyPr wrap="square" rtlCol="0">
+          <a:bodyPr wrap="square" lIns="91440" tIns="45720" rIns="91440" bIns="45720" rtlCol="0" anchor="t">
             <a:spAutoFit/>
           </a:bodyPr>
           <a:lstStyle/>
           <a:p>
             <a:r>
               <a:rPr lang="en-US" dirty="0"/>
-              <a:t>VR controls</a:t>
-            </a:r>
-          </a:p>
-        </p:txBody>
-      </p:sp>
+              <a:t>Tracker Position Data</a:t>
+            </a:r>
+          </a:p>
+        </p:txBody>
+      </p:sp>
+      <p:sp>
+        <p:nvSpPr>
+          <p:cNvPr id="20" name="TextBox 19">
+            <a:extLst>
+              <a:ext uri="{FF2B5EF4-FFF2-40B4-BE49-F238E27FC236}">
+                <a16:creationId xmlns:a16="http://schemas.microsoft.com/office/drawing/2014/main" id="{ED026739-1868-6200-B024-A33F598394EE}"/>
+              </a:ext>
+            </a:extLst>
+          </p:cNvPr>
+          <p:cNvSpPr txBox="1"/>
+          <p:nvPr/>
+        </p:nvSpPr>
+        <p:spPr>
+          <a:xfrm>
+            <a:off x="7883081" y="3071508"/>
+            <a:ext cx="1999275" cy="646331"/>
+          </a:xfrm>
+          <a:prstGeom prst="rect">
+            <a:avLst/>
+          </a:prstGeom>
+          <a:noFill/>
+        </p:spPr>
+        <p:txBody>
+          <a:bodyPr wrap="square" lIns="91440" tIns="45720" rIns="91440" bIns="45720" rtlCol="0" anchor="t">
+            <a:spAutoFit/>
+          </a:bodyPr>
+          <a:lstStyle/>
+          <a:p>
+            <a:r>
+              <a:rPr lang="en-US" dirty="0"/>
+              <a:t>Synchronization signal</a:t>
+            </a:r>
+          </a:p>
+        </p:txBody>
+      </p:sp>
+      <p:cxnSp>
+        <p:nvCxnSpPr>
+          <p:cNvPr id="21" name="Straight Arrow Connector 20">
+            <a:extLst>
+              <a:ext uri="{FF2B5EF4-FFF2-40B4-BE49-F238E27FC236}">
+                <a16:creationId xmlns:a16="http://schemas.microsoft.com/office/drawing/2014/main" id="{FA3A583F-D070-AD67-3C5B-68911B0A1076}"/>
+              </a:ext>
+            </a:extLst>
+          </p:cNvPr>
+          <p:cNvCxnSpPr>
+            <a:cxnSpLocks/>
+          </p:cNvCxnSpPr>
+          <p:nvPr/>
+        </p:nvCxnSpPr>
+        <p:spPr>
+          <a:xfrm>
+            <a:off x="7402392" y="2253743"/>
+            <a:ext cx="0" cy="849171"/>
+          </a:xfrm>
+          <a:prstGeom prst="straightConnector1">
+            <a:avLst/>
+          </a:prstGeom>
+          <a:ln w="57150">
+            <a:solidFill>
+              <a:schemeClr val="tx1"/>
+            </a:solidFill>
+            <a:tailEnd type="triangle"/>
+          </a:ln>
+        </p:spPr>
+        <p:style>
+          <a:lnRef idx="2">
+            <a:schemeClr val="accent1"/>
+          </a:lnRef>
+          <a:fillRef idx="0">
+            <a:schemeClr val="accent1"/>
+          </a:fillRef>
+          <a:effectRef idx="1">
+            <a:schemeClr val="accent1"/>
+          </a:effectRef>
+          <a:fontRef idx="minor">
+            <a:schemeClr val="tx1"/>
+          </a:fontRef>
+        </p:style>
+      </p:cxnSp>
     </p:spTree>
     <p:extLst>
       <p:ext uri="{BB962C8B-B14F-4D97-AF65-F5344CB8AC3E}">
